--- a/Machine Learning/4. Estimating Probability Distribution.pptx
+++ b/Machine Learning/4. Estimating Probability Distribution.pptx
@@ -2869,13 +2869,13 @@
   <p:clrMapOvr>
     <a:masterClrMapping/>
   </p:clrMapOvr>
-  <mc:AlternateContent xmlns:mc="http://schemas.openxmlformats.org/markup-compatibility/2006">
-    <mc:Choice xmlns:p14="http://schemas.microsoft.com/office/powerpoint/2010/main" Requires="p14">
+  <mc:AlternateContent xmlns:mc="http://schemas.openxmlformats.org/markup-compatibility/2006" xmlns:p14="http://schemas.microsoft.com/office/powerpoint/2010/main">
+    <mc:Choice Requires="p14">
       <p:transition spd="med" p14:dur="700">
         <p:fade/>
       </p:transition>
     </mc:Choice>
-    <mc:Fallback>
+    <mc:Fallback xmlns="">
       <p:transition spd="med">
         <p:fade/>
       </p:transition>
@@ -4005,13 +4005,13 @@
   <p:clrMapOvr>
     <a:masterClrMapping/>
   </p:clrMapOvr>
-  <mc:AlternateContent xmlns:mc="http://schemas.openxmlformats.org/markup-compatibility/2006">
-    <mc:Choice xmlns:p14="http://schemas.microsoft.com/office/powerpoint/2010/main" Requires="p14">
+  <mc:AlternateContent xmlns:mc="http://schemas.openxmlformats.org/markup-compatibility/2006" xmlns:p14="http://schemas.microsoft.com/office/powerpoint/2010/main">
+    <mc:Choice Requires="p14">
       <p:transition spd="med" p14:dur="700">
         <p:fade/>
       </p:transition>
     </mc:Choice>
-    <mc:Fallback>
+    <mc:Fallback xmlns="">
       <p:transition spd="med">
         <p:fade/>
       </p:transition>
@@ -4510,13 +4510,13 @@
   <p:clrMapOvr>
     <a:masterClrMapping/>
   </p:clrMapOvr>
-  <mc:AlternateContent xmlns:mc="http://schemas.openxmlformats.org/markup-compatibility/2006">
-    <mc:Choice xmlns:p14="http://schemas.microsoft.com/office/powerpoint/2010/main" Requires="p14">
+  <mc:AlternateContent xmlns:mc="http://schemas.openxmlformats.org/markup-compatibility/2006" xmlns:p14="http://schemas.microsoft.com/office/powerpoint/2010/main">
+    <mc:Choice Requires="p14">
       <p:transition spd="med" p14:dur="700">
         <p:fade/>
       </p:transition>
     </mc:Choice>
-    <mc:Fallback>
+    <mc:Fallback xmlns="">
       <p:transition spd="med">
         <p:fade/>
       </p:transition>
@@ -5120,13 +5120,13 @@
   <p:clrMapOvr>
     <a:masterClrMapping/>
   </p:clrMapOvr>
-  <mc:AlternateContent xmlns:mc="http://schemas.openxmlformats.org/markup-compatibility/2006">
-    <mc:Choice xmlns:p14="http://schemas.microsoft.com/office/powerpoint/2010/main" Requires="p14">
+  <mc:AlternateContent xmlns:mc="http://schemas.openxmlformats.org/markup-compatibility/2006" xmlns:p14="http://schemas.microsoft.com/office/powerpoint/2010/main">
+    <mc:Choice Requires="p14">
       <p:transition spd="med" p14:dur="700">
         <p:fade/>
       </p:transition>
     </mc:Choice>
-    <mc:Fallback>
+    <mc:Fallback xmlns="">
       <p:transition spd="med">
         <p:fade/>
       </p:transition>
@@ -6515,13 +6515,13 @@
   <p:clrMapOvr>
     <a:masterClrMapping/>
   </p:clrMapOvr>
-  <mc:AlternateContent xmlns:mc="http://schemas.openxmlformats.org/markup-compatibility/2006">
-    <mc:Choice xmlns:p14="http://schemas.microsoft.com/office/powerpoint/2010/main" Requires="p14">
+  <mc:AlternateContent xmlns:mc="http://schemas.openxmlformats.org/markup-compatibility/2006" xmlns:p14="http://schemas.microsoft.com/office/powerpoint/2010/main">
+    <mc:Choice Requires="p14">
       <p:transition spd="med" p14:dur="700">
         <p:fade/>
       </p:transition>
     </mc:Choice>
-    <mc:Fallback>
+    <mc:Fallback xmlns="">
       <p:transition spd="med">
         <p:fade/>
       </p:transition>
@@ -7269,13 +7269,13 @@
   <p:clrMapOvr>
     <a:masterClrMapping/>
   </p:clrMapOvr>
-  <mc:AlternateContent xmlns:mc="http://schemas.openxmlformats.org/markup-compatibility/2006">
-    <mc:Choice xmlns:p14="http://schemas.microsoft.com/office/powerpoint/2010/main" Requires="p14">
+  <mc:AlternateContent xmlns:mc="http://schemas.openxmlformats.org/markup-compatibility/2006" xmlns:p14="http://schemas.microsoft.com/office/powerpoint/2010/main">
+    <mc:Choice Requires="p14">
       <p:transition spd="med" p14:dur="700">
         <p:fade/>
       </p:transition>
     </mc:Choice>
-    <mc:Fallback>
+    <mc:Fallback xmlns="">
       <p:transition spd="med">
         <p:fade/>
       </p:transition>
@@ -7460,15 +7460,15 @@
                       </a:rPr>
                       <m:t>𝑥</m:t>
                     </m:r>
+                    <m:r>
+                      <a:rPr lang="en-US" altLang="ko-KR" b="0" i="1" baseline="-25000" smtClean="0">
+                        <a:latin typeface="Cambria Math" panose="02040503050406030204" pitchFamily="18" charset="0"/>
+                        <a:ea typeface="나눔고딕 Light" panose="020D0904000000000000" pitchFamily="50" charset="-127"/>
+                      </a:rPr>
+                      <m:t>𝑖</m:t>
+                    </m:r>
                   </m:oMath>
                 </a14:m>
-                <a:r>
-                  <a:rPr lang="en-US" altLang="ko-KR" b="0" i="0" baseline="-25000" dirty="0" err="1">
-                    <a:latin typeface="+mj-lt"/>
-                    <a:ea typeface="나눔고딕 Light" panose="020D0904000000000000" pitchFamily="50" charset="-127"/>
-                  </a:rPr>
-                  <a:t>i</a:t>
-                </a:r>
                 <a:r>
                   <a:rPr lang="ko-KR" altLang="en-US" dirty="0">
                     <a:latin typeface="나눔고딕 Light" panose="020D0904000000000000" pitchFamily="50" charset="-127"/>
@@ -7595,7 +7595,14 @@
                         <a:latin typeface="Cambria Math" charset="0"/>
                         <a:ea typeface="나눔고딕 Light" panose="020D0904000000000000" pitchFamily="50" charset="-127"/>
                       </a:rPr>
-                      <m:t>𝑧𝑘</m:t>
+                      <m:t>𝑧</m:t>
+                    </m:r>
+                    <m:r>
+                      <a:rPr lang="en-US" altLang="ko-KR" b="0" i="1" baseline="-25000" smtClean="0">
+                        <a:latin typeface="Cambria Math" charset="0"/>
+                        <a:ea typeface="나눔고딕 Light" panose="020D0904000000000000" pitchFamily="50" charset="-127"/>
+                      </a:rPr>
+                      <m:t>𝑘</m:t>
                     </m:r>
                     <m:r>
                       <a:rPr lang="en-US" altLang="ko-KR" b="0" i="1" smtClean="0">
@@ -7686,7 +7693,14 @@
                         <a:latin typeface="Cambria Math" charset="0"/>
                         <a:ea typeface="나눔고딕 Light" panose="020D0904000000000000" pitchFamily="50" charset="-127"/>
                       </a:rPr>
-                      <m:t>𝑥𝑖</m:t>
+                      <m:t>𝑥</m:t>
+                    </m:r>
+                    <m:r>
+                      <a:rPr lang="en-US" altLang="ko-KR" b="0" i="1" baseline="-25000" smtClean="0">
+                        <a:latin typeface="Cambria Math" charset="0"/>
+                        <a:ea typeface="나눔고딕 Light" panose="020D0904000000000000" pitchFamily="50" charset="-127"/>
+                      </a:rPr>
+                      <m:t>𝑖</m:t>
                     </m:r>
                   </m:oMath>
                 </a14:m>
@@ -8481,7 +8495,7 @@
               <p:cNvPr id="7" name="TextBox 6">
                 <a:extLst>
                   <a:ext uri="{FF2B5EF4-FFF2-40B4-BE49-F238E27FC236}">
-                    <a16:creationId xmlns:a16="http://schemas.microsoft.com/office/drawing/2014/main" xmlns:a14="http://schemas.microsoft.com/office/drawing/2010/main" xmlns="" id="{24C1681A-98CC-4058-AF28-AE958B9CD2EA}"/>
+                    <a16:creationId xmlns:a16="http://schemas.microsoft.com/office/drawing/2014/main" id="{24C1681A-98CC-4058-AF28-AE958B9CD2EA}"/>
                   </a:ext>
                 </a:extLst>
               </p:cNvPr>
@@ -8498,7 +8512,7 @@
               <a:prstGeom prst="rect">
                 <a:avLst/>
               </a:prstGeom>
-              <a:blipFill rotWithShape="0">
+              <a:blipFill>
                 <a:blip r:embed="rId3"/>
                 <a:stretch>
                   <a:fillRect l="-485"/>
@@ -8686,13 +8700,13 @@
   <p:clrMapOvr>
     <a:masterClrMapping/>
   </p:clrMapOvr>
-  <mc:AlternateContent xmlns:mc="http://schemas.openxmlformats.org/markup-compatibility/2006">
-    <mc:Choice xmlns:p14="http://schemas.microsoft.com/office/powerpoint/2010/main" Requires="p14">
+  <mc:AlternateContent xmlns:mc="http://schemas.openxmlformats.org/markup-compatibility/2006" xmlns:p14="http://schemas.microsoft.com/office/powerpoint/2010/main">
+    <mc:Choice Requires="p14">
       <p:transition spd="med" p14:dur="700">
         <p:fade/>
       </p:transition>
     </mc:Choice>
-    <mc:Fallback>
+    <mc:Fallback xmlns="">
       <p:transition spd="med">
         <p:fade/>
       </p:transition>
@@ -9033,13 +9047,13 @@
   <p:clrMapOvr>
     <a:masterClrMapping/>
   </p:clrMapOvr>
-  <mc:AlternateContent xmlns:mc="http://schemas.openxmlformats.org/markup-compatibility/2006">
-    <mc:Choice xmlns:p14="http://schemas.microsoft.com/office/powerpoint/2010/main" Requires="p14">
+  <mc:AlternateContent xmlns:mc="http://schemas.openxmlformats.org/markup-compatibility/2006" xmlns:p14="http://schemas.microsoft.com/office/powerpoint/2010/main">
+    <mc:Choice Requires="p14">
       <p:transition spd="med" p14:dur="700">
         <p:fade/>
       </p:transition>
     </mc:Choice>
-    <mc:Fallback>
+    <mc:Fallback xmlns="">
       <p:transition spd="med">
         <p:fade/>
       </p:transition>
@@ -9203,13 +9217,13 @@
   <p:clrMapOvr>
     <a:masterClrMapping/>
   </p:clrMapOvr>
-  <mc:AlternateContent xmlns:mc="http://schemas.openxmlformats.org/markup-compatibility/2006">
-    <mc:Choice xmlns:p14="http://schemas.microsoft.com/office/powerpoint/2010/main" Requires="p14">
+  <mc:AlternateContent xmlns:mc="http://schemas.openxmlformats.org/markup-compatibility/2006" xmlns:p14="http://schemas.microsoft.com/office/powerpoint/2010/main">
+    <mc:Choice Requires="p14">
       <p:transition spd="med" p14:dur="700">
         <p:fade/>
       </p:transition>
     </mc:Choice>
-    <mc:Fallback>
+    <mc:Fallback xmlns="">
       <p:transition spd="med">
         <p:fade/>
       </p:transition>
@@ -9917,13 +9931,13 @@
   <p:clrMapOvr>
     <a:masterClrMapping/>
   </p:clrMapOvr>
-  <mc:AlternateContent xmlns:mc="http://schemas.openxmlformats.org/markup-compatibility/2006">
-    <mc:Choice xmlns:p14="http://schemas.microsoft.com/office/powerpoint/2010/main" Requires="p14">
+  <mc:AlternateContent xmlns:mc="http://schemas.openxmlformats.org/markup-compatibility/2006" xmlns:p14="http://schemas.microsoft.com/office/powerpoint/2010/main">
+    <mc:Choice Requires="p14">
       <p:transition spd="med" p14:dur="700">
         <p:fade/>
       </p:transition>
     </mc:Choice>
-    <mc:Fallback>
+    <mc:Fallback xmlns="">
       <p:transition spd="med">
         <p:fade/>
       </p:transition>
@@ -10424,13 +10438,13 @@
   <p:clrMapOvr>
     <a:masterClrMapping/>
   </p:clrMapOvr>
-  <mc:AlternateContent xmlns:mc="http://schemas.openxmlformats.org/markup-compatibility/2006">
-    <mc:Choice xmlns:p14="http://schemas.microsoft.com/office/powerpoint/2010/main" Requires="p14">
+  <mc:AlternateContent xmlns:mc="http://schemas.openxmlformats.org/markup-compatibility/2006" xmlns:p14="http://schemas.microsoft.com/office/powerpoint/2010/main">
+    <mc:Choice Requires="p14">
       <p:transition spd="med" p14:dur="700">
         <p:fade/>
       </p:transition>
     </mc:Choice>
-    <mc:Fallback>
+    <mc:Fallback xmlns="">
       <p:transition spd="med">
         <p:fade/>
       </p:transition>
@@ -11018,13 +11032,13 @@
   <p:clrMapOvr>
     <a:masterClrMapping/>
   </p:clrMapOvr>
-  <mc:AlternateContent xmlns:mc="http://schemas.openxmlformats.org/markup-compatibility/2006">
-    <mc:Choice xmlns:p14="http://schemas.microsoft.com/office/powerpoint/2010/main" Requires="p14">
+  <mc:AlternateContent xmlns:mc="http://schemas.openxmlformats.org/markup-compatibility/2006" xmlns:p14="http://schemas.microsoft.com/office/powerpoint/2010/main">
+    <mc:Choice Requires="p14">
       <p:transition spd="med" p14:dur="700">
         <p:fade/>
       </p:transition>
     </mc:Choice>
-    <mc:Fallback>
+    <mc:Fallback xmlns="">
       <p:transition spd="med">
         <p:fade/>
       </p:transition>
@@ -11650,13 +11664,13 @@
   <p:clrMapOvr>
     <a:masterClrMapping/>
   </p:clrMapOvr>
-  <mc:AlternateContent xmlns:mc="http://schemas.openxmlformats.org/markup-compatibility/2006">
-    <mc:Choice xmlns:p14="http://schemas.microsoft.com/office/powerpoint/2010/main" Requires="p14">
+  <mc:AlternateContent xmlns:mc="http://schemas.openxmlformats.org/markup-compatibility/2006" xmlns:p14="http://schemas.microsoft.com/office/powerpoint/2010/main">
+    <mc:Choice Requires="p14">
       <p:transition spd="med" p14:dur="700">
         <p:fade/>
       </p:transition>
     </mc:Choice>
-    <mc:Fallback>
+    <mc:Fallback xmlns="">
       <p:transition spd="med">
         <p:fade/>
       </p:transition>
@@ -12435,13 +12449,13 @@
   <p:clrMapOvr>
     <a:masterClrMapping/>
   </p:clrMapOvr>
-  <mc:AlternateContent xmlns:mc="http://schemas.openxmlformats.org/markup-compatibility/2006">
-    <mc:Choice xmlns:p14="http://schemas.microsoft.com/office/powerpoint/2010/main" Requires="p14">
+  <mc:AlternateContent xmlns:mc="http://schemas.openxmlformats.org/markup-compatibility/2006" xmlns:p14="http://schemas.microsoft.com/office/powerpoint/2010/main">
+    <mc:Choice Requires="p14">
       <p:transition spd="med" p14:dur="700">
         <p:fade/>
       </p:transition>
     </mc:Choice>
-    <mc:Fallback>
+    <mc:Fallback xmlns="">
       <p:transition spd="med">
         <p:fade/>
       </p:transition>
@@ -13156,13 +13170,13 @@
   <p:clrMapOvr>
     <a:masterClrMapping/>
   </p:clrMapOvr>
-  <mc:AlternateContent xmlns:mc="http://schemas.openxmlformats.org/markup-compatibility/2006">
-    <mc:Choice xmlns:p14="http://schemas.microsoft.com/office/powerpoint/2010/main" Requires="p14">
+  <mc:AlternateContent xmlns:mc="http://schemas.openxmlformats.org/markup-compatibility/2006" xmlns:p14="http://schemas.microsoft.com/office/powerpoint/2010/main">
+    <mc:Choice Requires="p14">
       <p:transition spd="med" p14:dur="700">
         <p:fade/>
       </p:transition>
     </mc:Choice>
-    <mc:Fallback>
+    <mc:Fallback xmlns="">
       <p:transition spd="med">
         <p:fade/>
       </p:transition>
